--- a/Aufgaben/kick-off.pptx
+++ b/Aufgaben/kick-off.pptx
@@ -7,6 +7,8 @@
   <p:sldIdLst>
     <p:sldId id="256" r:id="rId2"/>
     <p:sldId id="257" r:id="rId3"/>
+    <p:sldId id="259" r:id="rId4"/>
+    <p:sldId id="258" r:id="rId5"/>
   </p:sldIdLst>
   <p:sldSz cx="12192000" cy="6858000"/>
   <p:notesSz cx="6858000" cy="9144000"/>
@@ -3346,26 +3348,19 @@
         <p:spPr/>
         <p:txBody>
           <a:bodyPr>
-            <a:normAutofit fontScale="90000"/>
+            <a:normAutofit/>
           </a:bodyPr>
           <a:lstStyle/>
           <a:p>
             <a:r>
               <a:rPr lang="de-DE"/>
-              <a:t>Kick-off</a:t>
+              <a:t>Projekt</a:t>
             </a:r>
             <a:br>
               <a:rPr lang="de-DE"/>
             </a:br>
             <a:r>
               <a:rPr lang="de-DE"/>
-              <a:t>Projekt</a:t>
-            </a:r>
-            <a:br>
-              <a:rPr lang="de-DE"/>
-            </a:br>
-            <a:r>
-              <a:rPr lang="de-DE"/>
               <a:t>MaxTemp</a:t>
             </a:r>
           </a:p>
@@ -3395,6 +3390,41 @@
             <a:r>
               <a:rPr lang="de-DE"/>
               <a:t>11.12.2024</a:t>
+            </a:r>
+          </a:p>
+        </p:txBody>
+      </p:sp>
+      <p:sp>
+        <p:nvSpPr>
+          <p:cNvPr id="4" name="Textfeld 3">
+            <a:extLst>
+              <a:ext uri="{FF2B5EF4-FFF2-40B4-BE49-F238E27FC236}">
+                <a16:creationId xmlns:a16="http://schemas.microsoft.com/office/drawing/2014/main" id="{FD58D83D-BD16-5284-03D7-8D63F794E6AC}"/>
+              </a:ext>
+            </a:extLst>
+          </p:cNvPr>
+          <p:cNvSpPr txBox="1"/>
+          <p:nvPr/>
+        </p:nvSpPr>
+        <p:spPr>
+          <a:xfrm>
+            <a:off x="9864953" y="6400801"/>
+            <a:ext cx="2327047" cy="369332"/>
+          </a:xfrm>
+          <a:prstGeom prst="rect">
+            <a:avLst/>
+          </a:prstGeom>
+          <a:noFill/>
+        </p:spPr>
+        <p:txBody>
+          <a:bodyPr wrap="none" rtlCol="0">
+            <a:spAutoFit/>
+          </a:bodyPr>
+          <a:lstStyle/>
+          <a:p>
+            <a:r>
+              <a:rPr lang="de-DE"/>
+              <a:t>Version 11.12.24 9:21</a:t>
             </a:r>
           </a:p>
         </p:txBody>
@@ -3555,6 +3585,417 @@
     <p:extLst>
       <p:ext uri="{BB962C8B-B14F-4D97-AF65-F5344CB8AC3E}">
         <p14:creationId xmlns:p14="http://schemas.microsoft.com/office/powerpoint/2010/main" val="1645155471"/>
+      </p:ext>
+    </p:extLst>
+  </p:cSld>
+  <p:clrMapOvr>
+    <a:masterClrMapping/>
+  </p:clrMapOvr>
+</p:sld>
+</file>
+
+<file path=ppt/slides/slide3.xml><?xml version="1.0" encoding="utf-8"?>
+<p:sld xmlns:a="http://schemas.openxmlformats.org/drawingml/2006/main" xmlns:r="http://schemas.openxmlformats.org/officeDocument/2006/relationships" xmlns:p="http://schemas.openxmlformats.org/presentationml/2006/main">
+  <p:cSld>
+    <p:spTree>
+      <p:nvGrpSpPr>
+        <p:cNvPr id="1" name=""/>
+        <p:cNvGrpSpPr/>
+        <p:nvPr/>
+      </p:nvGrpSpPr>
+      <p:grpSpPr>
+        <a:xfrm>
+          <a:off x="0" y="0"/>
+          <a:ext cx="0" cy="0"/>
+          <a:chOff x="0" y="0"/>
+          <a:chExt cx="0" cy="0"/>
+        </a:xfrm>
+      </p:grpSpPr>
+      <p:sp>
+        <p:nvSpPr>
+          <p:cNvPr id="2" name="Titel 1">
+            <a:extLst>
+              <a:ext uri="{FF2B5EF4-FFF2-40B4-BE49-F238E27FC236}">
+                <a16:creationId xmlns:a16="http://schemas.microsoft.com/office/drawing/2014/main" id="{77D08AB7-DB6A-DED2-8E84-16A3EABEC684}"/>
+              </a:ext>
+            </a:extLst>
+          </p:cNvPr>
+          <p:cNvSpPr>
+            <a:spLocks noGrp="1"/>
+          </p:cNvSpPr>
+          <p:nvPr>
+            <p:ph type="title"/>
+          </p:nvPr>
+        </p:nvSpPr>
+        <p:spPr/>
+        <p:txBody>
+          <a:bodyPr/>
+          <a:lstStyle/>
+          <a:p>
+            <a:r>
+              <a:rPr lang="de-DE"/>
+              <a:t>Weitere Infos in Teamsgruppe SAEFI</a:t>
+            </a:r>
+          </a:p>
+        </p:txBody>
+      </p:sp>
+      <p:pic>
+        <p:nvPicPr>
+          <p:cNvPr id="5" name="Grafik 4">
+            <a:extLst>
+              <a:ext uri="{FF2B5EF4-FFF2-40B4-BE49-F238E27FC236}">
+                <a16:creationId xmlns:a16="http://schemas.microsoft.com/office/drawing/2014/main" id="{EBF40FB9-F103-A40A-0207-83785423A9E5}"/>
+              </a:ext>
+            </a:extLst>
+          </p:cNvPr>
+          <p:cNvPicPr>
+            <a:picLocks noChangeAspect="1"/>
+          </p:cNvPicPr>
+          <p:nvPr/>
+        </p:nvPicPr>
+        <p:blipFill>
+          <a:blip r:embed="rId2"/>
+          <a:stretch>
+            <a:fillRect/>
+          </a:stretch>
+        </p:blipFill>
+        <p:spPr>
+          <a:xfrm>
+            <a:off x="497445" y="1690688"/>
+            <a:ext cx="8323445" cy="4958862"/>
+          </a:xfrm>
+          <a:prstGeom prst="rect">
+            <a:avLst/>
+          </a:prstGeom>
+        </p:spPr>
+      </p:pic>
+      <p:sp>
+        <p:nvSpPr>
+          <p:cNvPr id="6" name="Rechteck 5">
+            <a:extLst>
+              <a:ext uri="{FF2B5EF4-FFF2-40B4-BE49-F238E27FC236}">
+                <a16:creationId xmlns:a16="http://schemas.microsoft.com/office/drawing/2014/main" id="{76D883B5-B65A-F58B-BB0E-E7BC297FCF41}"/>
+              </a:ext>
+            </a:extLst>
+          </p:cNvPr>
+          <p:cNvSpPr/>
+          <p:nvPr/>
+        </p:nvSpPr>
+        <p:spPr>
+          <a:xfrm>
+            <a:off x="9254837" y="1722483"/>
+            <a:ext cx="2439718" cy="2447636"/>
+          </a:xfrm>
+          <a:prstGeom prst="rect">
+            <a:avLst/>
+          </a:prstGeom>
+          <a:solidFill>
+            <a:srgbClr val="FFFFCC"/>
+          </a:solidFill>
+          <a:ln>
+            <a:noFill/>
+          </a:ln>
+        </p:spPr>
+        <p:style>
+          <a:lnRef idx="2">
+            <a:schemeClr val="accent1">
+              <a:shade val="15000"/>
+            </a:schemeClr>
+          </a:lnRef>
+          <a:fillRef idx="1">
+            <a:schemeClr val="accent1"/>
+          </a:fillRef>
+          <a:effectRef idx="0">
+            <a:schemeClr val="accent1"/>
+          </a:effectRef>
+          <a:fontRef idx="minor">
+            <a:schemeClr val="lt1"/>
+          </a:fontRef>
+        </p:style>
+        <p:txBody>
+          <a:bodyPr rtlCol="0" anchor="ctr"/>
+          <a:lstStyle/>
+          <a:p>
+            <a:pPr marL="0" indent="0">
+              <a:buNone/>
+            </a:pPr>
+            <a:r>
+              <a:rPr lang="de-DE" sz="1800">
+                <a:solidFill>
+                  <a:srgbClr val="000000"/>
+                </a:solidFill>
+                <a:latin typeface="Verdana" panose="020B0604030504040204" pitchFamily="34" charset="0"/>
+              </a:rPr>
+              <a:t>MS Teams</a:t>
+            </a:r>
+          </a:p>
+          <a:p>
+            <a:pPr marL="0" indent="0">
+              <a:buNone/>
+            </a:pPr>
+            <a:r>
+              <a:rPr lang="de-DE" sz="1800">
+                <a:solidFill>
+                  <a:srgbClr val="000000"/>
+                </a:solidFill>
+                <a:latin typeface="Verdana" panose="020B0604030504040204" pitchFamily="34" charset="0"/>
+              </a:rPr>
+              <a:t>&gt; Alle Teams</a:t>
+            </a:r>
+          </a:p>
+          <a:p>
+            <a:pPr marL="0" indent="0">
+              <a:buNone/>
+            </a:pPr>
+            <a:r>
+              <a:rPr lang="de-DE" sz="1800">
+                <a:solidFill>
+                  <a:srgbClr val="000000"/>
+                </a:solidFill>
+                <a:latin typeface="Verdana" panose="020B0604030504040204" pitchFamily="34" charset="0"/>
+              </a:rPr>
+              <a:t>&gt; Team beitreten</a:t>
+            </a:r>
+            <a:br>
+              <a:rPr lang="de-DE" sz="1800">
+                <a:solidFill>
+                  <a:srgbClr val="000000"/>
+                </a:solidFill>
+                <a:latin typeface="Verdana" panose="020B0604030504040204" pitchFamily="34" charset="0"/>
+              </a:rPr>
+            </a:br>
+            <a:r>
+              <a:rPr lang="de-DE" sz="1800">
+                <a:solidFill>
+                  <a:srgbClr val="000000"/>
+                </a:solidFill>
+                <a:latin typeface="Verdana" panose="020B0604030504040204" pitchFamily="34" charset="0"/>
+              </a:rPr>
+              <a:t>&gt; SAEFI</a:t>
+            </a:r>
+          </a:p>
+          <a:p>
+            <a:endParaRPr lang="de-DE"/>
+          </a:p>
+        </p:txBody>
+      </p:sp>
+      <p:sp>
+        <p:nvSpPr>
+          <p:cNvPr id="8" name="Textfeld 7">
+            <a:extLst>
+              <a:ext uri="{FF2B5EF4-FFF2-40B4-BE49-F238E27FC236}">
+                <a16:creationId xmlns:a16="http://schemas.microsoft.com/office/drawing/2014/main" id="{3FB69B69-5D95-F897-45E8-129D36147663}"/>
+              </a:ext>
+            </a:extLst>
+          </p:cNvPr>
+          <p:cNvSpPr txBox="1"/>
+          <p:nvPr/>
+        </p:nvSpPr>
+        <p:spPr>
+          <a:xfrm>
+            <a:off x="838200" y="1238211"/>
+            <a:ext cx="8970818" cy="369332"/>
+          </a:xfrm>
+          <a:prstGeom prst="rect">
+            <a:avLst/>
+          </a:prstGeom>
+          <a:noFill/>
+        </p:spPr>
+        <p:txBody>
+          <a:bodyPr wrap="square">
+            <a:spAutoFit/>
+          </a:bodyPr>
+          <a:lstStyle/>
+          <a:p>
+            <a:r>
+              <a:rPr lang="de-DE"/>
+              <a:t>https://itschulestuttgart1.sharepoint.com/sites/SAEFI/SitePages/Infopool1.aspx</a:t>
+            </a:r>
+          </a:p>
+        </p:txBody>
+      </p:sp>
+    </p:spTree>
+    <p:extLst>
+      <p:ext uri="{BB962C8B-B14F-4D97-AF65-F5344CB8AC3E}">
+        <p14:creationId xmlns:p14="http://schemas.microsoft.com/office/powerpoint/2010/main" val="3218665360"/>
+      </p:ext>
+    </p:extLst>
+  </p:cSld>
+  <p:clrMapOvr>
+    <a:masterClrMapping/>
+  </p:clrMapOvr>
+</p:sld>
+</file>
+
+<file path=ppt/slides/slide4.xml><?xml version="1.0" encoding="utf-8"?>
+<p:sld xmlns:a="http://schemas.openxmlformats.org/drawingml/2006/main" xmlns:r="http://schemas.openxmlformats.org/officeDocument/2006/relationships" xmlns:p="http://schemas.openxmlformats.org/presentationml/2006/main">
+  <p:cSld>
+    <p:bg>
+      <p:bgPr>
+        <a:solidFill>
+          <a:schemeClr val="bg1"/>
+        </a:solidFill>
+        <a:effectLst/>
+      </p:bgPr>
+    </p:bg>
+    <p:spTree>
+      <p:nvGrpSpPr>
+        <p:cNvPr id="1" name=""/>
+        <p:cNvGrpSpPr/>
+        <p:nvPr/>
+      </p:nvGrpSpPr>
+      <p:grpSpPr>
+        <a:xfrm>
+          <a:off x="0" y="0"/>
+          <a:ext cx="0" cy="0"/>
+          <a:chOff x="0" y="0"/>
+          <a:chExt cx="0" cy="0"/>
+        </a:xfrm>
+      </p:grpSpPr>
+      <p:sp>
+        <p:nvSpPr>
+          <p:cNvPr id="23" name="Down Arrow 7">
+            <a:extLst>
+              <a:ext uri="{FF2B5EF4-FFF2-40B4-BE49-F238E27FC236}">
+                <a16:creationId xmlns:a16="http://schemas.microsoft.com/office/drawing/2014/main" id="{D4771268-CB57-404A-9271-370EB28F6090}"/>
+              </a:ext>
+              <a:ext uri="{C183D7F6-B498-43B3-948B-1728B52AA6E4}">
+                <adec:decorative xmlns:adec="http://schemas.microsoft.com/office/drawing/2017/decorative" val="1"/>
+              </a:ext>
+            </a:extLst>
+          </p:cNvPr>
+          <p:cNvSpPr>
+            <a:spLocks noGrp="1" noRot="1" noChangeAspect="1" noMove="1" noResize="1" noEditPoints="1" noAdjustHandles="1" noChangeArrowheads="1" noChangeShapeType="1" noTextEdit="1"/>
+          </p:cNvSpPr>
+          <p:nvPr>
+            <p:extLst>
+              <p:ext uri="{386F3935-93C4-4BCD-93E2-E3B085C9AB24}">
+                <p16:designElem xmlns:p16="http://schemas.microsoft.com/office/powerpoint/2015/main" val="1"/>
+              </p:ext>
+            </p:extLst>
+          </p:nvPr>
+        </p:nvSpPr>
+        <p:spPr>
+          <a:xfrm rot="16200000">
+            <a:off x="800100" y="1491343"/>
+            <a:ext cx="3333749" cy="3499103"/>
+          </a:xfrm>
+          <a:prstGeom prst="downArrow">
+            <a:avLst>
+              <a:gd name="adj1" fmla="val 100000"/>
+              <a:gd name="adj2" fmla="val 15788"/>
+            </a:avLst>
+          </a:prstGeom>
+          <a:solidFill>
+            <a:srgbClr val="404040"/>
+          </a:solidFill>
+          <a:ln w="53975">
+            <a:noFill/>
+          </a:ln>
+        </p:spPr>
+        <p:style>
+          <a:lnRef idx="2">
+            <a:schemeClr val="accent1">
+              <a:shade val="50000"/>
+            </a:schemeClr>
+          </a:lnRef>
+          <a:fillRef idx="1">
+            <a:schemeClr val="accent1"/>
+          </a:fillRef>
+          <a:effectRef idx="0">
+            <a:schemeClr val="accent1"/>
+          </a:effectRef>
+          <a:fontRef idx="minor">
+            <a:schemeClr val="lt1"/>
+          </a:fontRef>
+        </p:style>
+        <p:txBody>
+          <a:bodyPr rtlCol="0" anchor="ctr"/>
+          <a:lstStyle/>
+          <a:p>
+            <a:pPr algn="ctr"/>
+            <a:endParaRPr lang="en-US"/>
+          </a:p>
+        </p:txBody>
+      </p:sp>
+      <p:sp>
+        <p:nvSpPr>
+          <p:cNvPr id="2" name="Titel 1">
+            <a:extLst>
+              <a:ext uri="{FF2B5EF4-FFF2-40B4-BE49-F238E27FC236}">
+                <a16:creationId xmlns:a16="http://schemas.microsoft.com/office/drawing/2014/main" id="{7DCBA15A-B289-FC3C-A1F5-9A209D4D900E}"/>
+              </a:ext>
+            </a:extLst>
+          </p:cNvPr>
+          <p:cNvSpPr>
+            <a:spLocks noGrp="1"/>
+          </p:cNvSpPr>
+          <p:nvPr>
+            <p:ph type="title"/>
+          </p:nvPr>
+        </p:nvSpPr>
+        <p:spPr>
+          <a:xfrm>
+            <a:off x="1028700" y="1967266"/>
+            <a:ext cx="2628900" cy="2547257"/>
+          </a:xfrm>
+          <a:noFill/>
+        </p:spPr>
+        <p:txBody>
+          <a:bodyPr vert="horz" lIns="91440" tIns="45720" rIns="91440" bIns="45720" rtlCol="0" anchor="ctr">
+            <a:normAutofit/>
+          </a:bodyPr>
+          <a:lstStyle/>
+          <a:p>
+            <a:pPr algn="ctr"/>
+            <a:r>
+              <a:rPr lang="en-US" sz="3600" kern="1200">
+                <a:solidFill>
+                  <a:srgbClr val="FFFFFF"/>
+                </a:solidFill>
+                <a:latin typeface="+mj-lt"/>
+                <a:ea typeface="+mj-ea"/>
+                <a:cs typeface="+mj-cs"/>
+              </a:rPr>
+              <a:t>Zeitplan</a:t>
+            </a:r>
+          </a:p>
+        </p:txBody>
+      </p:sp>
+      <p:pic>
+        <p:nvPicPr>
+          <p:cNvPr id="5" name="Grafik 4" descr="Ein Bild, das Text, Screenshot, Zahl, parallel enthält.&#10;&#10;Automatisch generierte Beschreibung">
+            <a:extLst>
+              <a:ext uri="{FF2B5EF4-FFF2-40B4-BE49-F238E27FC236}">
+                <a16:creationId xmlns:a16="http://schemas.microsoft.com/office/drawing/2014/main" id="{215ED26B-3D23-CAE5-8DA7-5A6C0DD9A5C2}"/>
+              </a:ext>
+            </a:extLst>
+          </p:cNvPr>
+          <p:cNvPicPr>
+            <a:picLocks noChangeAspect="1"/>
+          </p:cNvPicPr>
+          <p:nvPr/>
+        </p:nvPicPr>
+        <p:blipFill>
+          <a:blip r:embed="rId2"/>
+          <a:stretch>
+            <a:fillRect/>
+          </a:stretch>
+        </p:blipFill>
+        <p:spPr>
+          <a:xfrm>
+            <a:off x="4216526" y="563418"/>
+            <a:ext cx="7921539" cy="5386646"/>
+          </a:xfrm>
+          <a:prstGeom prst="rect">
+            <a:avLst/>
+          </a:prstGeom>
+        </p:spPr>
+      </p:pic>
+    </p:spTree>
+    <p:extLst>
+      <p:ext uri="{BB962C8B-B14F-4D97-AF65-F5344CB8AC3E}">
+        <p14:creationId xmlns:p14="http://schemas.microsoft.com/office/powerpoint/2010/main" val="891762471"/>
       </p:ext>
     </p:extLst>
   </p:cSld>
